--- a/Actor Model.pptx
+++ b/Actor Model.pptx
@@ -6,7 +6,7 @@
     <p:sldMasterId id="2147483669" r:id="rId2"/>
   </p:sldMasterIdLst>
   <p:notesMasterIdLst>
-    <p:notesMasterId r:id="rId13"/>
+    <p:notesMasterId r:id="rId16"/>
   </p:notesMasterIdLst>
   <p:sldIdLst>
     <p:sldId id="485" r:id="rId3"/>
@@ -18,7 +18,10 @@
     <p:sldId id="507" r:id="rId9"/>
     <p:sldId id="508" r:id="rId10"/>
     <p:sldId id="509" r:id="rId11"/>
-    <p:sldId id="503" r:id="rId12"/>
+    <p:sldId id="511" r:id="rId12"/>
+    <p:sldId id="512" r:id="rId13"/>
+    <p:sldId id="513" r:id="rId14"/>
+    <p:sldId id="503" r:id="rId15"/>
   </p:sldIdLst>
   <p:sldSz cx="12192000" cy="6858000"/>
   <p:notesSz cx="6858000" cy="9144000"/>
@@ -11236,6 +11239,465 @@
       </p:grpSpPr>
       <p:sp>
         <p:nvSpPr>
+          <p:cNvPr id="3" name="Title 2">
+            <a:extLst>
+              <a:ext uri="{FF2B5EF4-FFF2-40B4-BE49-F238E27FC236}">
+                <a16:creationId xmlns:a16="http://schemas.microsoft.com/office/drawing/2014/main" id="{E19D18A1-F496-47D5-BA4F-B5280449711C}"/>
+              </a:ext>
+            </a:extLst>
+          </p:cNvPr>
+          <p:cNvSpPr>
+            <a:spLocks noGrp="1"/>
+          </p:cNvSpPr>
+          <p:nvPr>
+            <p:ph type="title"/>
+          </p:nvPr>
+        </p:nvSpPr>
+        <p:spPr/>
+        <p:txBody>
+          <a:bodyPr/>
+          <a:lstStyle/>
+          <a:p>
+            <a:r>
+              <a:rPr lang="en-GB" dirty="0"/>
+              <a:t>Actor model frameworks</a:t>
+            </a:r>
+            <a:br>
+              <a:rPr lang="en-GB" dirty="0"/>
+            </a:br>
+            <a:endParaRPr lang="en-GB" dirty="0"/>
+          </a:p>
+        </p:txBody>
+      </p:sp>
+      <p:pic>
+        <p:nvPicPr>
+          <p:cNvPr id="9" name="Content Placeholder 8">
+            <a:extLst>
+              <a:ext uri="{FF2B5EF4-FFF2-40B4-BE49-F238E27FC236}">
+                <a16:creationId xmlns:a16="http://schemas.microsoft.com/office/drawing/2014/main" id="{D1DE9895-E2A7-4F44-9DFE-C29EB9869C93}"/>
+              </a:ext>
+            </a:extLst>
+          </p:cNvPr>
+          <p:cNvPicPr>
+            <a:picLocks noGrp="1" noChangeAspect="1"/>
+          </p:cNvPicPr>
+          <p:nvPr>
+            <p:ph idx="1"/>
+          </p:nvPr>
+        </p:nvPicPr>
+        <p:blipFill>
+          <a:blip r:embed="rId2">
+            <a:extLst>
+              <a:ext uri="{28A0092B-C50C-407E-A947-70E740481C1C}">
+                <a14:useLocalDpi xmlns:a14="http://schemas.microsoft.com/office/drawing/2010/main" val="0"/>
+              </a:ext>
+              <a:ext uri="{837473B0-CC2E-450A-ABE3-18F120FF3D39}">
+                <a1611:picAttrSrcUrl xmlns:a1611="http://schemas.microsoft.com/office/drawing/2016/11/main" r:id="rId3"/>
+              </a:ext>
+            </a:extLst>
+          </a:blip>
+          <a:stretch>
+            <a:fillRect/>
+          </a:stretch>
+        </p:blipFill>
+        <p:spPr bwMode="auto">
+          <a:xfrm>
+            <a:off x="2962495" y="2624348"/>
+            <a:ext cx="1445549" cy="593880"/>
+          </a:xfrm>
+          <a:prstGeom prst="rect">
+            <a:avLst/>
+          </a:prstGeom>
+          <a:noFill/>
+          <a:extLst>
+            <a:ext uri="{909E8E84-426E-40DD-AFC4-6F175D3DCCD1}">
+              <a14:hiddenFill xmlns:a14="http://schemas.microsoft.com/office/drawing/2010/main">
+                <a:solidFill>
+                  <a:srgbClr val="FFFFFF"/>
+                </a:solidFill>
+              </a14:hiddenFill>
+            </a:ext>
+          </a:extLst>
+        </p:spPr>
+      </p:pic>
+      <p:pic>
+        <p:nvPicPr>
+          <p:cNvPr id="12" name="Picture 11">
+            <a:extLst>
+              <a:ext uri="{FF2B5EF4-FFF2-40B4-BE49-F238E27FC236}">
+                <a16:creationId xmlns:a16="http://schemas.microsoft.com/office/drawing/2014/main" id="{DED7FE16-FEFC-491E-9E34-64A17A92D6D1}"/>
+              </a:ext>
+            </a:extLst>
+          </p:cNvPr>
+          <p:cNvPicPr>
+            <a:picLocks noChangeAspect="1"/>
+          </p:cNvPicPr>
+          <p:nvPr/>
+        </p:nvPicPr>
+        <p:blipFill>
+          <a:blip r:embed="rId4">
+            <a:extLst>
+              <a:ext uri="{28A0092B-C50C-407E-A947-70E740481C1C}">
+                <a14:useLocalDpi xmlns:a14="http://schemas.microsoft.com/office/drawing/2010/main" val="0"/>
+              </a:ext>
+              <a:ext uri="{837473B0-CC2E-450A-ABE3-18F120FF3D39}">
+                <a1611:picAttrSrcUrl xmlns:a1611="http://schemas.microsoft.com/office/drawing/2016/11/main" r:id="rId5"/>
+              </a:ext>
+            </a:extLst>
+          </a:blip>
+          <a:stretch>
+            <a:fillRect/>
+          </a:stretch>
+        </p:blipFill>
+        <p:spPr>
+          <a:xfrm>
+            <a:off x="7783956" y="2373450"/>
+            <a:ext cx="1784983" cy="1095676"/>
+          </a:xfrm>
+          <a:prstGeom prst="rect">
+            <a:avLst/>
+          </a:prstGeom>
+        </p:spPr>
+      </p:pic>
+      <p:pic>
+        <p:nvPicPr>
+          <p:cNvPr id="15" name="Picture 14">
+            <a:extLst>
+              <a:ext uri="{FF2B5EF4-FFF2-40B4-BE49-F238E27FC236}">
+                <a16:creationId xmlns:a16="http://schemas.microsoft.com/office/drawing/2014/main" id="{DCB0446A-3F40-40D8-B903-CFB2BA5EAE18}"/>
+              </a:ext>
+            </a:extLst>
+          </p:cNvPr>
+          <p:cNvPicPr>
+            <a:picLocks noChangeAspect="1"/>
+          </p:cNvPicPr>
+          <p:nvPr/>
+        </p:nvPicPr>
+        <p:blipFill>
+          <a:blip r:embed="rId6">
+            <a:extLst>
+              <a:ext uri="{28A0092B-C50C-407E-A947-70E740481C1C}">
+                <a14:useLocalDpi xmlns:a14="http://schemas.microsoft.com/office/drawing/2010/main" val="0"/>
+              </a:ext>
+              <a:ext uri="{837473B0-CC2E-450A-ABE3-18F120FF3D39}">
+                <a1611:picAttrSrcUrl xmlns:a1611="http://schemas.microsoft.com/office/drawing/2016/11/main" r:id="rId7"/>
+              </a:ext>
+            </a:extLst>
+          </a:blip>
+          <a:stretch>
+            <a:fillRect/>
+          </a:stretch>
+        </p:blipFill>
+        <p:spPr>
+          <a:xfrm>
+            <a:off x="5125302" y="2300042"/>
+            <a:ext cx="1941396" cy="1242493"/>
+          </a:xfrm>
+          <a:prstGeom prst="rect">
+            <a:avLst/>
+          </a:prstGeom>
+        </p:spPr>
+      </p:pic>
+      <p:pic>
+        <p:nvPicPr>
+          <p:cNvPr id="17" name="Picture 16">
+            <a:extLst>
+              <a:ext uri="{FF2B5EF4-FFF2-40B4-BE49-F238E27FC236}">
+                <a16:creationId xmlns:a16="http://schemas.microsoft.com/office/drawing/2014/main" id="{902A925B-DBF5-49A8-92D1-5CCCAE84AD07}"/>
+              </a:ext>
+            </a:extLst>
+          </p:cNvPr>
+          <p:cNvPicPr>
+            <a:picLocks noChangeAspect="1"/>
+          </p:cNvPicPr>
+          <p:nvPr/>
+        </p:nvPicPr>
+        <p:blipFill>
+          <a:blip r:embed="rId8">
+            <a:extLst>
+              <a:ext uri="{28A0092B-C50C-407E-A947-70E740481C1C}">
+                <a14:useLocalDpi xmlns:a14="http://schemas.microsoft.com/office/drawing/2010/main" val="0"/>
+              </a:ext>
+              <a:ext uri="{837473B0-CC2E-450A-ABE3-18F120FF3D39}">
+                <a1611:picAttrSrcUrl xmlns:a1611="http://schemas.microsoft.com/office/drawing/2016/11/main" r:id="rId9"/>
+              </a:ext>
+            </a:extLst>
+          </a:blip>
+          <a:stretch>
+            <a:fillRect/>
+          </a:stretch>
+        </p:blipFill>
+        <p:spPr>
+          <a:xfrm>
+            <a:off x="5381625" y="3922048"/>
+            <a:ext cx="1428750" cy="1428750"/>
+          </a:xfrm>
+          <a:prstGeom prst="rect">
+            <a:avLst/>
+          </a:prstGeom>
+        </p:spPr>
+      </p:pic>
+    </p:spTree>
+    <p:extLst>
+      <p:ext uri="{BB962C8B-B14F-4D97-AF65-F5344CB8AC3E}">
+        <p14:creationId xmlns:p14="http://schemas.microsoft.com/office/powerpoint/2010/main" val="2026462746"/>
+      </p:ext>
+    </p:extLst>
+  </p:cSld>
+  <p:clrMapOvr>
+    <a:masterClrMapping/>
+  </p:clrMapOvr>
+</p:sld>
+</file>
+
+<file path=ppt/slides/slide11.xml><?xml version="1.0" encoding="utf-8"?>
+<p:sld xmlns:a="http://schemas.openxmlformats.org/drawingml/2006/main" xmlns:r="http://schemas.openxmlformats.org/officeDocument/2006/relationships" xmlns:p="http://schemas.openxmlformats.org/presentationml/2006/main">
+  <p:cSld>
+    <p:spTree>
+      <p:nvGrpSpPr>
+        <p:cNvPr id="1" name=""/>
+        <p:cNvGrpSpPr/>
+        <p:nvPr/>
+      </p:nvGrpSpPr>
+      <p:grpSpPr>
+        <a:xfrm>
+          <a:off x="0" y="0"/>
+          <a:ext cx="0" cy="0"/>
+          <a:chOff x="0" y="0"/>
+          <a:chExt cx="0" cy="0"/>
+        </a:xfrm>
+      </p:grpSpPr>
+      <p:sp>
+        <p:nvSpPr>
+          <p:cNvPr id="2" name="Content Placeholder 1">
+            <a:extLst>
+              <a:ext uri="{FF2B5EF4-FFF2-40B4-BE49-F238E27FC236}">
+                <a16:creationId xmlns:a16="http://schemas.microsoft.com/office/drawing/2014/main" id="{6D0FEC8D-87E5-47BE-B058-C72D146D3EA6}"/>
+              </a:ext>
+            </a:extLst>
+          </p:cNvPr>
+          <p:cNvSpPr>
+            <a:spLocks noGrp="1"/>
+          </p:cNvSpPr>
+          <p:nvPr>
+            <p:ph idx="1"/>
+          </p:nvPr>
+        </p:nvSpPr>
+        <p:spPr/>
+        <p:txBody>
+          <a:bodyPr/>
+          <a:lstStyle/>
+          <a:p>
+            <a:pPr marL="342900" indent="-342900">
+              <a:buFont typeface="Arial" panose="020B0604020202020204" pitchFamily="34" charset="0"/>
+              <a:buChar char="•"/>
+            </a:pPr>
+            <a:r>
+              <a:rPr lang="en-GB" dirty="0"/>
+              <a:t>Distributed Application Runtime</a:t>
+            </a:r>
+          </a:p>
+          <a:p>
+            <a:pPr marL="342900" indent="-342900">
+              <a:buFont typeface="Arial" panose="020B0604020202020204" pitchFamily="34" charset="0"/>
+              <a:buChar char="•"/>
+            </a:pPr>
+            <a:r>
+              <a:rPr lang="en-GB" dirty="0"/>
+              <a:t>What they say:</a:t>
+            </a:r>
+          </a:p>
+          <a:p>
+            <a:pPr marL="1257300" lvl="1" indent="-342900">
+              <a:buFont typeface="Arial" panose="020B0604020202020204" pitchFamily="34" charset="0"/>
+              <a:buChar char="•"/>
+            </a:pPr>
+            <a:r>
+              <a:rPr lang="en-GB" dirty="0"/>
+              <a:t>An event-driven, portable runtime for building microservices on cloud and edge.</a:t>
+            </a:r>
+          </a:p>
+          <a:p>
+            <a:pPr marL="1257300" lvl="1" indent="-342900">
+              <a:buFont typeface="Arial" panose="020B0604020202020204" pitchFamily="34" charset="0"/>
+              <a:buChar char="•"/>
+            </a:pPr>
+            <a:r>
+              <a:rPr lang="en-GB" dirty="0"/>
+              <a:t>Powerful building block</a:t>
+            </a:r>
+          </a:p>
+          <a:p>
+            <a:pPr marL="1257300" lvl="1" indent="-342900">
+              <a:buFont typeface="Arial" panose="020B0604020202020204" pitchFamily="34" charset="0"/>
+              <a:buChar char="•"/>
+            </a:pPr>
+            <a:r>
+              <a:rPr lang="en-GB" dirty="0"/>
+              <a:t>No limits</a:t>
+            </a:r>
+          </a:p>
+          <a:p>
+            <a:pPr marL="1257300" lvl="1" indent="-342900">
+              <a:buFont typeface="Arial" panose="020B0604020202020204" pitchFamily="34" charset="0"/>
+              <a:buChar char="•"/>
+            </a:pPr>
+            <a:r>
+              <a:rPr lang="en-GB" dirty="0"/>
+              <a:t>Open API</a:t>
+            </a:r>
+          </a:p>
+          <a:p>
+            <a:pPr marL="1257300" lvl="1" indent="-342900">
+              <a:buFont typeface="Arial" panose="020B0604020202020204" pitchFamily="34" charset="0"/>
+              <a:buChar char="•"/>
+            </a:pPr>
+            <a:r>
+              <a:rPr lang="en-GB" dirty="0"/>
+              <a:t>Open source</a:t>
+            </a:r>
+          </a:p>
+          <a:p>
+            <a:pPr marL="342900" indent="-342900">
+              <a:buFont typeface="Arial" panose="020B0604020202020204" pitchFamily="34" charset="0"/>
+              <a:buChar char="•"/>
+            </a:pPr>
+            <a:endParaRPr lang="en-GB" dirty="0"/>
+          </a:p>
+          <a:p>
+            <a:pPr marL="342900" indent="-342900">
+              <a:buFont typeface="Arial" panose="020B0604020202020204" pitchFamily="34" charset="0"/>
+              <a:buChar char="•"/>
+            </a:pPr>
+            <a:endParaRPr lang="en-GB" dirty="0"/>
+          </a:p>
+        </p:txBody>
+      </p:sp>
+      <p:sp>
+        <p:nvSpPr>
+          <p:cNvPr id="3" name="Title 2">
+            <a:extLst>
+              <a:ext uri="{FF2B5EF4-FFF2-40B4-BE49-F238E27FC236}">
+                <a16:creationId xmlns:a16="http://schemas.microsoft.com/office/drawing/2014/main" id="{D7E9B374-CFD7-4AAA-A1CB-DFEA8FB53295}"/>
+              </a:ext>
+            </a:extLst>
+          </p:cNvPr>
+          <p:cNvSpPr>
+            <a:spLocks noGrp="1"/>
+          </p:cNvSpPr>
+          <p:nvPr>
+            <p:ph type="title"/>
+          </p:nvPr>
+        </p:nvSpPr>
+        <p:spPr/>
+        <p:txBody>
+          <a:bodyPr/>
+          <a:lstStyle/>
+          <a:p>
+            <a:r>
+              <a:rPr lang="en-GB" dirty="0" err="1"/>
+              <a:t>Dapr</a:t>
+            </a:r>
+            <a:endParaRPr lang="en-GB" dirty="0"/>
+          </a:p>
+        </p:txBody>
+      </p:sp>
+    </p:spTree>
+    <p:extLst>
+      <p:ext uri="{BB962C8B-B14F-4D97-AF65-F5344CB8AC3E}">
+        <p14:creationId xmlns:p14="http://schemas.microsoft.com/office/powerpoint/2010/main" val="191780805"/>
+      </p:ext>
+    </p:extLst>
+  </p:cSld>
+  <p:clrMapOvr>
+    <a:masterClrMapping/>
+  </p:clrMapOvr>
+</p:sld>
+</file>
+
+<file path=ppt/slides/slide12.xml><?xml version="1.0" encoding="utf-8"?>
+<p:sld xmlns:a="http://schemas.openxmlformats.org/drawingml/2006/main" xmlns:r="http://schemas.openxmlformats.org/officeDocument/2006/relationships" xmlns:p="http://schemas.openxmlformats.org/presentationml/2006/main">
+  <p:cSld>
+    <p:spTree>
+      <p:nvGrpSpPr>
+        <p:cNvPr id="1" name=""/>
+        <p:cNvGrpSpPr/>
+        <p:nvPr/>
+      </p:nvGrpSpPr>
+      <p:grpSpPr>
+        <a:xfrm>
+          <a:off x="0" y="0"/>
+          <a:ext cx="0" cy="0"/>
+          <a:chOff x="0" y="0"/>
+          <a:chExt cx="0" cy="0"/>
+        </a:xfrm>
+      </p:grpSpPr>
+      <p:sp>
+        <p:nvSpPr>
+          <p:cNvPr id="2" name="Text Placeholder 1">
+            <a:extLst>
+              <a:ext uri="{FF2B5EF4-FFF2-40B4-BE49-F238E27FC236}">
+                <a16:creationId xmlns:a16="http://schemas.microsoft.com/office/drawing/2014/main" id="{2EADB665-545A-482C-8E89-86F66BD805EE}"/>
+              </a:ext>
+            </a:extLst>
+          </p:cNvPr>
+          <p:cNvSpPr>
+            <a:spLocks noGrp="1"/>
+          </p:cNvSpPr>
+          <p:nvPr>
+            <p:ph type="body" sz="quarter" idx="10"/>
+          </p:nvPr>
+        </p:nvSpPr>
+        <p:spPr/>
+        <p:txBody>
+          <a:bodyPr>
+            <a:normAutofit lnSpcReduction="10000"/>
+          </a:bodyPr>
+          <a:lstStyle/>
+          <a:p>
+            <a:r>
+              <a:rPr lang="en-GB" dirty="0" err="1"/>
+              <a:t>Dapr</a:t>
+            </a:r>
+            <a:r>
+              <a:rPr lang="en-GB" dirty="0"/>
+              <a:t> demo</a:t>
+            </a:r>
+          </a:p>
+        </p:txBody>
+      </p:sp>
+    </p:spTree>
+    <p:extLst>
+      <p:ext uri="{BB962C8B-B14F-4D97-AF65-F5344CB8AC3E}">
+        <p14:creationId xmlns:p14="http://schemas.microsoft.com/office/powerpoint/2010/main" val="3025359182"/>
+      </p:ext>
+    </p:extLst>
+  </p:cSld>
+  <p:clrMapOvr>
+    <a:masterClrMapping/>
+  </p:clrMapOvr>
+</p:sld>
+</file>
+
+<file path=ppt/slides/slide13.xml><?xml version="1.0" encoding="utf-8"?>
+<p:sld xmlns:a="http://schemas.openxmlformats.org/drawingml/2006/main" xmlns:r="http://schemas.openxmlformats.org/officeDocument/2006/relationships" xmlns:p="http://schemas.openxmlformats.org/presentationml/2006/main">
+  <p:cSld>
+    <p:spTree>
+      <p:nvGrpSpPr>
+        <p:cNvPr id="1" name=""/>
+        <p:cNvGrpSpPr/>
+        <p:nvPr/>
+      </p:nvGrpSpPr>
+      <p:grpSpPr>
+        <a:xfrm>
+          <a:off x="0" y="0"/>
+          <a:ext cx="0" cy="0"/>
+          <a:chOff x="0" y="0"/>
+          <a:chExt cx="0" cy="0"/>
+        </a:xfrm>
+      </p:grpSpPr>
+      <p:sp>
+        <p:nvSpPr>
           <p:cNvPr id="3" name="Text Placeholder 2">
             <a:extLst>
               <a:ext uri="{FF2B5EF4-FFF2-40B4-BE49-F238E27FC236}">
@@ -11405,8 +11867,12 @@
               <a:buChar char="•"/>
             </a:pPr>
             <a:r>
+              <a:rPr lang="en-GB" dirty="0" err="1"/>
+              <a:t>Dapr</a:t>
+            </a:r>
+            <a:r>
               <a:rPr lang="en-GB" dirty="0"/>
-              <a:t>DAPR example</a:t>
+              <a:t> example</a:t>
             </a:r>
           </a:p>
         </p:txBody>
@@ -13283,16 +13749,6 @@
             <a:r>
               <a:rPr lang="en-GB" dirty="0"/>
               <a:t>Reliability</a:t>
-            </a:r>
-          </a:p>
-          <a:p>
-            <a:pPr marL="342900" indent="-342900">
-              <a:buFont typeface="Arial" panose="020B0604020202020204" pitchFamily="34" charset="0"/>
-              <a:buChar char="•"/>
-            </a:pPr>
-            <a:r>
-              <a:rPr lang="en-GB" dirty="0"/>
-              <a:t>Testability</a:t>
             </a:r>
           </a:p>
         </p:txBody>
